--- a/assets/img/vision/segmentation/entropy/entropy.pptx
+++ b/assets/img/vision/segmentation/entropy/entropy.pptx
@@ -271,7 +271,7 @@
           <a:p>
             <a:fld id="{36E4DC0C-99B1-4293-9829-858859526896}" type="datetimeFigureOut">
               <a:rPr lang="ko-KR" altLang="en-US" smtClean="0"/>
-              <a:t>2021-12-26</a:t>
+              <a:t>2021-12-31</a:t>
             </a:fld>
             <a:endParaRPr lang="ko-KR" altLang="en-US"/>
           </a:p>
@@ -469,7 +469,7 @@
           <a:p>
             <a:fld id="{36E4DC0C-99B1-4293-9829-858859526896}" type="datetimeFigureOut">
               <a:rPr lang="ko-KR" altLang="en-US" smtClean="0"/>
-              <a:t>2021-12-26</a:t>
+              <a:t>2021-12-31</a:t>
             </a:fld>
             <a:endParaRPr lang="ko-KR" altLang="en-US"/>
           </a:p>
@@ -677,7 +677,7 @@
           <a:p>
             <a:fld id="{36E4DC0C-99B1-4293-9829-858859526896}" type="datetimeFigureOut">
               <a:rPr lang="ko-KR" altLang="en-US" smtClean="0"/>
-              <a:t>2021-12-26</a:t>
+              <a:t>2021-12-31</a:t>
             </a:fld>
             <a:endParaRPr lang="ko-KR" altLang="en-US"/>
           </a:p>
@@ -875,7 +875,7 @@
           <a:p>
             <a:fld id="{36E4DC0C-99B1-4293-9829-858859526896}" type="datetimeFigureOut">
               <a:rPr lang="ko-KR" altLang="en-US" smtClean="0"/>
-              <a:t>2021-12-26</a:t>
+              <a:t>2021-12-31</a:t>
             </a:fld>
             <a:endParaRPr lang="ko-KR" altLang="en-US"/>
           </a:p>
@@ -1150,7 +1150,7 @@
           <a:p>
             <a:fld id="{36E4DC0C-99B1-4293-9829-858859526896}" type="datetimeFigureOut">
               <a:rPr lang="ko-KR" altLang="en-US" smtClean="0"/>
-              <a:t>2021-12-26</a:t>
+              <a:t>2021-12-31</a:t>
             </a:fld>
             <a:endParaRPr lang="ko-KR" altLang="en-US"/>
           </a:p>
@@ -1415,7 +1415,7 @@
           <a:p>
             <a:fld id="{36E4DC0C-99B1-4293-9829-858859526896}" type="datetimeFigureOut">
               <a:rPr lang="ko-KR" altLang="en-US" smtClean="0"/>
-              <a:t>2021-12-26</a:t>
+              <a:t>2021-12-31</a:t>
             </a:fld>
             <a:endParaRPr lang="ko-KR" altLang="en-US"/>
           </a:p>
@@ -1827,7 +1827,7 @@
           <a:p>
             <a:fld id="{36E4DC0C-99B1-4293-9829-858859526896}" type="datetimeFigureOut">
               <a:rPr lang="ko-KR" altLang="en-US" smtClean="0"/>
-              <a:t>2021-12-26</a:t>
+              <a:t>2021-12-31</a:t>
             </a:fld>
             <a:endParaRPr lang="ko-KR" altLang="en-US"/>
           </a:p>
@@ -1968,7 +1968,7 @@
           <a:p>
             <a:fld id="{36E4DC0C-99B1-4293-9829-858859526896}" type="datetimeFigureOut">
               <a:rPr lang="ko-KR" altLang="en-US" smtClean="0"/>
-              <a:t>2021-12-26</a:t>
+              <a:t>2021-12-31</a:t>
             </a:fld>
             <a:endParaRPr lang="ko-KR" altLang="en-US"/>
           </a:p>
@@ -2081,7 +2081,7 @@
           <a:p>
             <a:fld id="{36E4DC0C-99B1-4293-9829-858859526896}" type="datetimeFigureOut">
               <a:rPr lang="ko-KR" altLang="en-US" smtClean="0"/>
-              <a:t>2021-12-26</a:t>
+              <a:t>2021-12-31</a:t>
             </a:fld>
             <a:endParaRPr lang="ko-KR" altLang="en-US"/>
           </a:p>
@@ -2392,7 +2392,7 @@
           <a:p>
             <a:fld id="{36E4DC0C-99B1-4293-9829-858859526896}" type="datetimeFigureOut">
               <a:rPr lang="ko-KR" altLang="en-US" smtClean="0"/>
-              <a:t>2021-12-26</a:t>
+              <a:t>2021-12-31</a:t>
             </a:fld>
             <a:endParaRPr lang="ko-KR" altLang="en-US"/>
           </a:p>
@@ -2680,7 +2680,7 @@
           <a:p>
             <a:fld id="{36E4DC0C-99B1-4293-9829-858859526896}" type="datetimeFigureOut">
               <a:rPr lang="ko-KR" altLang="en-US" smtClean="0"/>
-              <a:t>2021-12-26</a:t>
+              <a:t>2021-12-31</a:t>
             </a:fld>
             <a:endParaRPr lang="ko-KR" altLang="en-US"/>
           </a:p>
@@ -2921,7 +2921,7 @@
           <a:p>
             <a:fld id="{36E4DC0C-99B1-4293-9829-858859526896}" type="datetimeFigureOut">
               <a:rPr lang="ko-KR" altLang="en-US" smtClean="0"/>
-              <a:t>2021-12-26</a:t>
+              <a:t>2021-12-31</a:t>
             </a:fld>
             <a:endParaRPr lang="ko-KR" altLang="en-US"/>
           </a:p>
@@ -3352,7 +3352,7 @@
         </p:nvSpPr>
         <p:spPr>
           <a:xfrm>
-            <a:off x="1822847" y="2244714"/>
+            <a:off x="4225388" y="1766597"/>
             <a:ext cx="2073836" cy="1221091"/>
           </a:xfrm>
           <a:prstGeom prst="rect">
@@ -3423,7 +3423,7 @@
         </p:nvCxnSpPr>
         <p:spPr>
           <a:xfrm>
-            <a:off x="3896683" y="2855260"/>
+            <a:off x="6299224" y="2377143"/>
             <a:ext cx="1371322" cy="0"/>
           </a:xfrm>
           <a:prstGeom prst="straightConnector1">
@@ -3462,7 +3462,7 @@
         </p:nvSpPr>
         <p:spPr>
           <a:xfrm>
-            <a:off x="3890705" y="2596758"/>
+            <a:off x="6293246" y="2118641"/>
             <a:ext cx="1377300" cy="215444"/>
           </a:xfrm>
           <a:prstGeom prst="rect">
@@ -3505,7 +3505,7 @@
         </p:nvSpPr>
         <p:spPr>
           <a:xfrm>
-            <a:off x="5268005" y="2244714"/>
+            <a:off x="7670546" y="1766597"/>
             <a:ext cx="2073836" cy="1221091"/>
           </a:xfrm>
           <a:prstGeom prst="rect">
@@ -3565,7 +3565,7 @@
         </p:nvCxnSpPr>
         <p:spPr>
           <a:xfrm>
-            <a:off x="7341841" y="2855260"/>
+            <a:off x="2856247" y="3950278"/>
             <a:ext cx="1371322" cy="0"/>
           </a:xfrm>
           <a:prstGeom prst="straightConnector1">
@@ -3604,7 +3604,7 @@
         </p:nvSpPr>
         <p:spPr>
           <a:xfrm>
-            <a:off x="7335863" y="2596758"/>
+            <a:off x="2850269" y="3691776"/>
             <a:ext cx="1377300" cy="215444"/>
           </a:xfrm>
           <a:prstGeom prst="rect">
@@ -3647,7 +3647,7 @@
         </p:nvSpPr>
         <p:spPr>
           <a:xfrm>
-            <a:off x="7396560" y="2898319"/>
+            <a:off x="2910966" y="3993337"/>
             <a:ext cx="1261884" cy="338554"/>
           </a:xfrm>
           <a:prstGeom prst="rect">
@@ -3756,7 +3756,7 @@
         </p:nvSpPr>
         <p:spPr>
           <a:xfrm>
-            <a:off x="8713163" y="2244714"/>
+            <a:off x="4227569" y="3339732"/>
             <a:ext cx="2073836" cy="1221091"/>
           </a:xfrm>
           <a:prstGeom prst="rect">
@@ -3812,7 +3812,7 @@
         </p:nvCxnSpPr>
         <p:spPr>
           <a:xfrm>
-            <a:off x="10786999" y="2855260"/>
+            <a:off x="6301405" y="3950278"/>
             <a:ext cx="1371322" cy="0"/>
           </a:xfrm>
           <a:prstGeom prst="straightConnector1">
@@ -3851,7 +3851,7 @@
         </p:nvSpPr>
         <p:spPr>
           <a:xfrm>
-            <a:off x="11004639" y="2596758"/>
+            <a:off x="6519045" y="3691776"/>
             <a:ext cx="930062" cy="215444"/>
           </a:xfrm>
           <a:prstGeom prst="rect">
@@ -3894,7 +3894,7 @@
         </p:nvSpPr>
         <p:spPr>
           <a:xfrm>
-            <a:off x="10783214" y="2898319"/>
+            <a:off x="6297620" y="3993337"/>
             <a:ext cx="1378904" cy="215444"/>
           </a:xfrm>
           <a:prstGeom prst="rect">
@@ -3970,7 +3970,7 @@
         </p:blipFill>
         <p:spPr>
           <a:xfrm>
-            <a:off x="-1166850" y="2281517"/>
+            <a:off x="1235691" y="1803400"/>
             <a:ext cx="1559859" cy="1147483"/>
           </a:xfrm>
           <a:prstGeom prst="rect">
@@ -3994,7 +3994,7 @@
         </p:nvCxnSpPr>
         <p:spPr>
           <a:xfrm>
-            <a:off x="447728" y="2855260"/>
+            <a:off x="2850269" y="2377143"/>
             <a:ext cx="1371322" cy="0"/>
           </a:xfrm>
           <a:prstGeom prst="straightConnector1">
@@ -4040,7 +4040,7 @@
         </p:blipFill>
         <p:spPr>
           <a:xfrm>
-            <a:off x="12192000" y="2281517"/>
+            <a:off x="7706406" y="3376535"/>
             <a:ext cx="1559859" cy="1147483"/>
           </a:xfrm>
           <a:prstGeom prst="rect">

--- a/assets/img/vision/segmentation/entropy/entropy.pptx
+++ b/assets/img/vision/segmentation/entropy/entropy.pptx
@@ -7,6 +7,7 @@
   <p:sldIdLst>
     <p:sldId id="256" r:id="rId2"/>
     <p:sldId id="257" r:id="rId3"/>
+    <p:sldId id="258" r:id="rId4"/>
   </p:sldIdLst>
   <p:sldSz cx="12192000" cy="6858000"/>
   <p:notesSz cx="6858000" cy="9144000"/>
@@ -271,7 +272,7 @@
           <a:p>
             <a:fld id="{36E4DC0C-99B1-4293-9829-858859526896}" type="datetimeFigureOut">
               <a:rPr lang="ko-KR" altLang="en-US" smtClean="0"/>
-              <a:t>2021-12-31</a:t>
+              <a:t>2022-01-01</a:t>
             </a:fld>
             <a:endParaRPr lang="ko-KR" altLang="en-US"/>
           </a:p>
@@ -469,7 +470,7 @@
           <a:p>
             <a:fld id="{36E4DC0C-99B1-4293-9829-858859526896}" type="datetimeFigureOut">
               <a:rPr lang="ko-KR" altLang="en-US" smtClean="0"/>
-              <a:t>2021-12-31</a:t>
+              <a:t>2022-01-01</a:t>
             </a:fld>
             <a:endParaRPr lang="ko-KR" altLang="en-US"/>
           </a:p>
@@ -677,7 +678,7 @@
           <a:p>
             <a:fld id="{36E4DC0C-99B1-4293-9829-858859526896}" type="datetimeFigureOut">
               <a:rPr lang="ko-KR" altLang="en-US" smtClean="0"/>
-              <a:t>2021-12-31</a:t>
+              <a:t>2022-01-01</a:t>
             </a:fld>
             <a:endParaRPr lang="ko-KR" altLang="en-US"/>
           </a:p>
@@ -875,7 +876,7 @@
           <a:p>
             <a:fld id="{36E4DC0C-99B1-4293-9829-858859526896}" type="datetimeFigureOut">
               <a:rPr lang="ko-KR" altLang="en-US" smtClean="0"/>
-              <a:t>2021-12-31</a:t>
+              <a:t>2022-01-01</a:t>
             </a:fld>
             <a:endParaRPr lang="ko-KR" altLang="en-US"/>
           </a:p>
@@ -1150,7 +1151,7 @@
           <a:p>
             <a:fld id="{36E4DC0C-99B1-4293-9829-858859526896}" type="datetimeFigureOut">
               <a:rPr lang="ko-KR" altLang="en-US" smtClean="0"/>
-              <a:t>2021-12-31</a:t>
+              <a:t>2022-01-01</a:t>
             </a:fld>
             <a:endParaRPr lang="ko-KR" altLang="en-US"/>
           </a:p>
@@ -1415,7 +1416,7 @@
           <a:p>
             <a:fld id="{36E4DC0C-99B1-4293-9829-858859526896}" type="datetimeFigureOut">
               <a:rPr lang="ko-KR" altLang="en-US" smtClean="0"/>
-              <a:t>2021-12-31</a:t>
+              <a:t>2022-01-01</a:t>
             </a:fld>
             <a:endParaRPr lang="ko-KR" altLang="en-US"/>
           </a:p>
@@ -1827,7 +1828,7 @@
           <a:p>
             <a:fld id="{36E4DC0C-99B1-4293-9829-858859526896}" type="datetimeFigureOut">
               <a:rPr lang="ko-KR" altLang="en-US" smtClean="0"/>
-              <a:t>2021-12-31</a:t>
+              <a:t>2022-01-01</a:t>
             </a:fld>
             <a:endParaRPr lang="ko-KR" altLang="en-US"/>
           </a:p>
@@ -1968,7 +1969,7 @@
           <a:p>
             <a:fld id="{36E4DC0C-99B1-4293-9829-858859526896}" type="datetimeFigureOut">
               <a:rPr lang="ko-KR" altLang="en-US" smtClean="0"/>
-              <a:t>2021-12-31</a:t>
+              <a:t>2022-01-01</a:t>
             </a:fld>
             <a:endParaRPr lang="ko-KR" altLang="en-US"/>
           </a:p>
@@ -2081,7 +2082,7 @@
           <a:p>
             <a:fld id="{36E4DC0C-99B1-4293-9829-858859526896}" type="datetimeFigureOut">
               <a:rPr lang="ko-KR" altLang="en-US" smtClean="0"/>
-              <a:t>2021-12-31</a:t>
+              <a:t>2022-01-01</a:t>
             </a:fld>
             <a:endParaRPr lang="ko-KR" altLang="en-US"/>
           </a:p>
@@ -2392,7 +2393,7 @@
           <a:p>
             <a:fld id="{36E4DC0C-99B1-4293-9829-858859526896}" type="datetimeFigureOut">
               <a:rPr lang="ko-KR" altLang="en-US" smtClean="0"/>
-              <a:t>2021-12-31</a:t>
+              <a:t>2022-01-01</a:t>
             </a:fld>
             <a:endParaRPr lang="ko-KR" altLang="en-US"/>
           </a:p>
@@ -2680,7 +2681,7 @@
           <a:p>
             <a:fld id="{36E4DC0C-99B1-4293-9829-858859526896}" type="datetimeFigureOut">
               <a:rPr lang="ko-KR" altLang="en-US" smtClean="0"/>
-              <a:t>2021-12-31</a:t>
+              <a:t>2022-01-01</a:t>
             </a:fld>
             <a:endParaRPr lang="ko-KR" altLang="en-US"/>
           </a:p>
@@ -2921,7 +2922,7 @@
           <a:p>
             <a:fld id="{36E4DC0C-99B1-4293-9829-858859526896}" type="datetimeFigureOut">
               <a:rPr lang="ko-KR" altLang="en-US" smtClean="0"/>
-              <a:t>2021-12-31</a:t>
+              <a:t>2022-01-01</a:t>
             </a:fld>
             <a:endParaRPr lang="ko-KR" altLang="en-US"/>
           </a:p>
@@ -4367,6 +4368,442 @@
 </p:sld>
 </file>
 
+<file path=ppt/slides/slide3.xml><?xml version="1.0" encoding="utf-8"?>
+<p:sld xmlns:a="http://schemas.openxmlformats.org/drawingml/2006/main" xmlns:r="http://schemas.openxmlformats.org/officeDocument/2006/relationships" xmlns:p="http://schemas.openxmlformats.org/presentationml/2006/main">
+  <p:cSld>
+    <p:spTree>
+      <p:nvGrpSpPr>
+        <p:cNvPr id="1" name=""/>
+        <p:cNvGrpSpPr/>
+        <p:nvPr/>
+      </p:nvGrpSpPr>
+      <p:grpSpPr>
+        <a:xfrm>
+          <a:off x="0" y="0"/>
+          <a:ext cx="0" cy="0"/>
+          <a:chOff x="0" y="0"/>
+          <a:chExt cx="0" cy="0"/>
+        </a:xfrm>
+      </p:grpSpPr>
+      <p:pic>
+        <p:nvPicPr>
+          <p:cNvPr id="5" name="그림 4">
+            <a:extLst>
+              <a:ext uri="{FF2B5EF4-FFF2-40B4-BE49-F238E27FC236}">
+                <a16:creationId xmlns:a16="http://schemas.microsoft.com/office/drawing/2014/main" id="{663DD7E2-4345-49C7-817F-8B18074CF0C4}"/>
+              </a:ext>
+            </a:extLst>
+          </p:cNvPr>
+          <p:cNvPicPr>
+            <a:picLocks noChangeAspect="1"/>
+          </p:cNvPicPr>
+          <p:nvPr/>
+        </p:nvPicPr>
+        <p:blipFill rotWithShape="1">
+          <a:blip r:embed="rId2"/>
+          <a:srcRect l="886" t="287" r="170" b="67270"/>
+          <a:stretch/>
+        </p:blipFill>
+        <p:spPr>
+          <a:xfrm>
+            <a:off x="418351" y="1966258"/>
+            <a:ext cx="3299013" cy="1894543"/>
+          </a:xfrm>
+          <a:prstGeom prst="rect">
+            <a:avLst/>
+          </a:prstGeom>
+        </p:spPr>
+      </p:pic>
+      <p:pic>
+        <p:nvPicPr>
+          <p:cNvPr id="6" name="그림 5">
+            <a:extLst>
+              <a:ext uri="{FF2B5EF4-FFF2-40B4-BE49-F238E27FC236}">
+                <a16:creationId xmlns:a16="http://schemas.microsoft.com/office/drawing/2014/main" id="{B7B00B0D-A0CB-4FB8-B738-19F8FBAD6BF2}"/>
+              </a:ext>
+            </a:extLst>
+          </p:cNvPr>
+          <p:cNvPicPr>
+            <a:picLocks noChangeAspect="1"/>
+          </p:cNvPicPr>
+          <p:nvPr/>
+        </p:nvPicPr>
+        <p:blipFill rotWithShape="1">
+          <a:blip r:embed="rId2"/>
+          <a:srcRect l="886" t="33779" r="170" b="33779"/>
+          <a:stretch/>
+        </p:blipFill>
+        <p:spPr>
+          <a:xfrm>
+            <a:off x="4010210" y="1966258"/>
+            <a:ext cx="3299013" cy="1894543"/>
+          </a:xfrm>
+          <a:prstGeom prst="rect">
+            <a:avLst/>
+          </a:prstGeom>
+        </p:spPr>
+      </p:pic>
+      <p:pic>
+        <p:nvPicPr>
+          <p:cNvPr id="7" name="그림 6">
+            <a:extLst>
+              <a:ext uri="{FF2B5EF4-FFF2-40B4-BE49-F238E27FC236}">
+                <a16:creationId xmlns:a16="http://schemas.microsoft.com/office/drawing/2014/main" id="{EE18F339-0AD6-41F2-BE26-5D44760AAF5D}"/>
+              </a:ext>
+            </a:extLst>
+          </p:cNvPr>
+          <p:cNvPicPr>
+            <a:picLocks noChangeAspect="1"/>
+          </p:cNvPicPr>
+          <p:nvPr/>
+        </p:nvPicPr>
+        <p:blipFill rotWithShape="1">
+          <a:blip r:embed="rId2"/>
+          <a:srcRect l="886" t="67557" r="170"/>
+          <a:stretch/>
+        </p:blipFill>
+        <p:spPr>
+          <a:xfrm>
+            <a:off x="7602069" y="1966258"/>
+            <a:ext cx="3299013" cy="1894543"/>
+          </a:xfrm>
+          <a:prstGeom prst="rect">
+            <a:avLst/>
+          </a:prstGeom>
+        </p:spPr>
+      </p:pic>
+      <p:cxnSp>
+        <p:nvCxnSpPr>
+          <p:cNvPr id="9" name="직선 화살표 연결선 8">
+            <a:extLst>
+              <a:ext uri="{FF2B5EF4-FFF2-40B4-BE49-F238E27FC236}">
+                <a16:creationId xmlns:a16="http://schemas.microsoft.com/office/drawing/2014/main" id="{7D7BC481-030B-4DA2-AAA4-CAC8EF69C5C2}"/>
+              </a:ext>
+            </a:extLst>
+          </p:cNvPr>
+          <p:cNvCxnSpPr>
+            <a:cxnSpLocks/>
+          </p:cNvCxnSpPr>
+          <p:nvPr/>
+        </p:nvCxnSpPr>
+        <p:spPr>
+          <a:xfrm flipH="1">
+            <a:off x="8474635" y="1559860"/>
+            <a:ext cx="502024" cy="764988"/>
+          </a:xfrm>
+          <a:prstGeom prst="straightConnector1">
+            <a:avLst/>
+          </a:prstGeom>
+          <a:ln w="28575">
+            <a:solidFill>
+              <a:srgbClr val="00B050"/>
+            </a:solidFill>
+            <a:tailEnd type="triangle"/>
+          </a:ln>
+        </p:spPr>
+        <p:style>
+          <a:lnRef idx="1">
+            <a:schemeClr val="dk1"/>
+          </a:lnRef>
+          <a:fillRef idx="0">
+            <a:schemeClr val="dk1"/>
+          </a:fillRef>
+          <a:effectRef idx="0">
+            <a:schemeClr val="dk1"/>
+          </a:effectRef>
+          <a:fontRef idx="minor">
+            <a:schemeClr val="tx1"/>
+          </a:fontRef>
+        </p:style>
+      </p:cxnSp>
+      <p:cxnSp>
+        <p:nvCxnSpPr>
+          <p:cNvPr id="12" name="직선 화살표 연결선 11">
+            <a:extLst>
+              <a:ext uri="{FF2B5EF4-FFF2-40B4-BE49-F238E27FC236}">
+                <a16:creationId xmlns:a16="http://schemas.microsoft.com/office/drawing/2014/main" id="{66E3B2D0-2480-434A-9DFD-5A3E35427964}"/>
+              </a:ext>
+            </a:extLst>
+          </p:cNvPr>
+          <p:cNvCxnSpPr>
+            <a:cxnSpLocks/>
+          </p:cNvCxnSpPr>
+          <p:nvPr/>
+        </p:nvCxnSpPr>
+        <p:spPr>
+          <a:xfrm>
+            <a:off x="9269505" y="1559860"/>
+            <a:ext cx="95625" cy="1219200"/>
+          </a:xfrm>
+          <a:prstGeom prst="straightConnector1">
+            <a:avLst/>
+          </a:prstGeom>
+          <a:ln w="28575">
+            <a:solidFill>
+              <a:srgbClr val="00B050"/>
+            </a:solidFill>
+            <a:tailEnd type="triangle"/>
+          </a:ln>
+        </p:spPr>
+        <p:style>
+          <a:lnRef idx="1">
+            <a:schemeClr val="dk1"/>
+          </a:lnRef>
+          <a:fillRef idx="0">
+            <a:schemeClr val="dk1"/>
+          </a:fillRef>
+          <a:effectRef idx="0">
+            <a:schemeClr val="dk1"/>
+          </a:effectRef>
+          <a:fontRef idx="minor">
+            <a:schemeClr val="tx1"/>
+          </a:fontRef>
+        </p:style>
+      </p:cxnSp>
+      <p:sp>
+        <p:nvSpPr>
+          <p:cNvPr id="17" name="TextBox 16">
+            <a:extLst>
+              <a:ext uri="{FF2B5EF4-FFF2-40B4-BE49-F238E27FC236}">
+                <a16:creationId xmlns:a16="http://schemas.microsoft.com/office/drawing/2014/main" id="{0BD1C649-A052-404D-B1FE-62170DEED485}"/>
+              </a:ext>
+            </a:extLst>
+          </p:cNvPr>
+          <p:cNvSpPr txBox="1"/>
+          <p:nvPr/>
+        </p:nvSpPr>
+        <p:spPr>
+          <a:xfrm>
+            <a:off x="8564283" y="1274031"/>
+            <a:ext cx="1185133" cy="276999"/>
+          </a:xfrm>
+          <a:prstGeom prst="rect">
+            <a:avLst/>
+          </a:prstGeom>
+          <a:noFill/>
+        </p:spPr>
+        <p:txBody>
+          <a:bodyPr wrap="none" rtlCol="0">
+            <a:spAutoFit/>
+          </a:bodyPr>
+          <a:lstStyle/>
+          <a:p>
+            <a:r>
+              <a:rPr lang="en-US" altLang="ko-KR" sz="1200" dirty="0">
+                <a:latin typeface="나눔바른고딕" panose="020B0603020101020101" pitchFamily="50" charset="-127"/>
+                <a:ea typeface="나눔바른고딕" panose="020B0603020101020101" pitchFamily="50" charset="-127"/>
+              </a:rPr>
+              <a:t>Entropy</a:t>
+            </a:r>
+            <a:r>
+              <a:rPr lang="ko-KR" altLang="en-US" sz="1200" dirty="0">
+                <a:latin typeface="나눔바른고딕" panose="020B0603020101020101" pitchFamily="50" charset="-127"/>
+                <a:ea typeface="나눔바른고딕" panose="020B0603020101020101" pitchFamily="50" charset="-127"/>
+              </a:rPr>
+              <a:t>가 낮음</a:t>
+            </a:r>
+          </a:p>
+        </p:txBody>
+      </p:sp>
+      <p:sp>
+        <p:nvSpPr>
+          <p:cNvPr id="18" name="TextBox 17">
+            <a:extLst>
+              <a:ext uri="{FF2B5EF4-FFF2-40B4-BE49-F238E27FC236}">
+                <a16:creationId xmlns:a16="http://schemas.microsoft.com/office/drawing/2014/main" id="{3F48C3C2-FA3D-4B98-BD3E-51C3CF6D7B45}"/>
+              </a:ext>
+            </a:extLst>
+          </p:cNvPr>
+          <p:cNvSpPr txBox="1"/>
+          <p:nvPr/>
+        </p:nvSpPr>
+        <p:spPr>
+          <a:xfrm>
+            <a:off x="7882068" y="3959277"/>
+            <a:ext cx="1185133" cy="276999"/>
+          </a:xfrm>
+          <a:prstGeom prst="rect">
+            <a:avLst/>
+          </a:prstGeom>
+          <a:noFill/>
+        </p:spPr>
+        <p:txBody>
+          <a:bodyPr wrap="none" rtlCol="0">
+            <a:spAutoFit/>
+          </a:bodyPr>
+          <a:lstStyle/>
+          <a:p>
+            <a:r>
+              <a:rPr lang="en-US" altLang="ko-KR" sz="1200" dirty="0">
+                <a:solidFill>
+                  <a:srgbClr val="FF0000"/>
+                </a:solidFill>
+                <a:latin typeface="나눔바른고딕" panose="020B0603020101020101" pitchFamily="50" charset="-127"/>
+                <a:ea typeface="나눔바른고딕" panose="020B0603020101020101" pitchFamily="50" charset="-127"/>
+              </a:rPr>
+              <a:t>Entropy</a:t>
+            </a:r>
+            <a:r>
+              <a:rPr lang="ko-KR" altLang="en-US" sz="1200" dirty="0">
+                <a:solidFill>
+                  <a:srgbClr val="FF0000"/>
+                </a:solidFill>
+                <a:latin typeface="나눔바른고딕" panose="020B0603020101020101" pitchFamily="50" charset="-127"/>
+                <a:ea typeface="나눔바른고딕" panose="020B0603020101020101" pitchFamily="50" charset="-127"/>
+              </a:rPr>
+              <a:t>가 높음</a:t>
+            </a:r>
+          </a:p>
+        </p:txBody>
+      </p:sp>
+      <p:cxnSp>
+        <p:nvCxnSpPr>
+          <p:cNvPr id="19" name="직선 화살표 연결선 18">
+            <a:extLst>
+              <a:ext uri="{FF2B5EF4-FFF2-40B4-BE49-F238E27FC236}">
+                <a16:creationId xmlns:a16="http://schemas.microsoft.com/office/drawing/2014/main" id="{A75F37B7-2183-42D4-8C66-955E40D4877A}"/>
+              </a:ext>
+            </a:extLst>
+          </p:cNvPr>
+          <p:cNvCxnSpPr>
+            <a:cxnSpLocks/>
+            <a:stCxn id="18" idx="0"/>
+          </p:cNvCxnSpPr>
+          <p:nvPr/>
+        </p:nvCxnSpPr>
+        <p:spPr>
+          <a:xfrm flipH="1" flipV="1">
+            <a:off x="7882069" y="3527547"/>
+            <a:ext cx="592566" cy="431730"/>
+          </a:xfrm>
+          <a:prstGeom prst="straightConnector1">
+            <a:avLst/>
+          </a:prstGeom>
+          <a:ln w="28575">
+            <a:solidFill>
+              <a:srgbClr val="FF0000"/>
+            </a:solidFill>
+            <a:tailEnd type="triangle"/>
+          </a:ln>
+        </p:spPr>
+        <p:style>
+          <a:lnRef idx="1">
+            <a:schemeClr val="dk1"/>
+          </a:lnRef>
+          <a:fillRef idx="0">
+            <a:schemeClr val="dk1"/>
+          </a:fillRef>
+          <a:effectRef idx="0">
+            <a:schemeClr val="dk1"/>
+          </a:effectRef>
+          <a:fontRef idx="minor">
+            <a:schemeClr val="tx1"/>
+          </a:fontRef>
+        </p:style>
+      </p:cxnSp>
+      <p:cxnSp>
+        <p:nvCxnSpPr>
+          <p:cNvPr id="22" name="직선 화살표 연결선 21">
+            <a:extLst>
+              <a:ext uri="{FF2B5EF4-FFF2-40B4-BE49-F238E27FC236}">
+                <a16:creationId xmlns:a16="http://schemas.microsoft.com/office/drawing/2014/main" id="{06B5FD2F-CF9B-4772-9251-2467679F79D0}"/>
+              </a:ext>
+            </a:extLst>
+          </p:cNvPr>
+          <p:cNvCxnSpPr>
+            <a:cxnSpLocks/>
+            <a:stCxn id="18" idx="0"/>
+          </p:cNvCxnSpPr>
+          <p:nvPr/>
+        </p:nvCxnSpPr>
+        <p:spPr>
+          <a:xfrm flipV="1">
+            <a:off x="8474635" y="3651625"/>
+            <a:ext cx="0" cy="307652"/>
+          </a:xfrm>
+          <a:prstGeom prst="straightConnector1">
+            <a:avLst/>
+          </a:prstGeom>
+          <a:ln w="28575">
+            <a:solidFill>
+              <a:srgbClr val="FF0000"/>
+            </a:solidFill>
+            <a:tailEnd type="triangle"/>
+          </a:ln>
+        </p:spPr>
+        <p:style>
+          <a:lnRef idx="1">
+            <a:schemeClr val="dk1"/>
+          </a:lnRef>
+          <a:fillRef idx="0">
+            <a:schemeClr val="dk1"/>
+          </a:fillRef>
+          <a:effectRef idx="0">
+            <a:schemeClr val="dk1"/>
+          </a:effectRef>
+          <a:fontRef idx="minor">
+            <a:schemeClr val="tx1"/>
+          </a:fontRef>
+        </p:style>
+      </p:cxnSp>
+      <p:cxnSp>
+        <p:nvCxnSpPr>
+          <p:cNvPr id="25" name="직선 화살표 연결선 24">
+            <a:extLst>
+              <a:ext uri="{FF2B5EF4-FFF2-40B4-BE49-F238E27FC236}">
+                <a16:creationId xmlns:a16="http://schemas.microsoft.com/office/drawing/2014/main" id="{2671AB3B-760E-4052-AE4A-CC8107D322E0}"/>
+              </a:ext>
+            </a:extLst>
+          </p:cNvPr>
+          <p:cNvCxnSpPr>
+            <a:cxnSpLocks/>
+            <a:stCxn id="18" idx="0"/>
+          </p:cNvCxnSpPr>
+          <p:nvPr/>
+        </p:nvCxnSpPr>
+        <p:spPr>
+          <a:xfrm flipV="1">
+            <a:off x="8474635" y="2324849"/>
+            <a:ext cx="592566" cy="1634428"/>
+          </a:xfrm>
+          <a:prstGeom prst="straightConnector1">
+            <a:avLst/>
+          </a:prstGeom>
+          <a:ln w="28575">
+            <a:solidFill>
+              <a:srgbClr val="FF0000"/>
+            </a:solidFill>
+            <a:tailEnd type="triangle"/>
+          </a:ln>
+        </p:spPr>
+        <p:style>
+          <a:lnRef idx="1">
+            <a:schemeClr val="dk1"/>
+          </a:lnRef>
+          <a:fillRef idx="0">
+            <a:schemeClr val="dk1"/>
+          </a:fillRef>
+          <a:effectRef idx="0">
+            <a:schemeClr val="dk1"/>
+          </a:effectRef>
+          <a:fontRef idx="minor">
+            <a:schemeClr val="tx1"/>
+          </a:fontRef>
+        </p:style>
+      </p:cxnSp>
+    </p:spTree>
+    <p:extLst>
+      <p:ext uri="{BB962C8B-B14F-4D97-AF65-F5344CB8AC3E}">
+        <p14:creationId xmlns:p14="http://schemas.microsoft.com/office/powerpoint/2010/main" val="2554125031"/>
+      </p:ext>
+    </p:extLst>
+  </p:cSld>
+  <p:clrMapOvr>
+    <a:masterClrMapping/>
+  </p:clrMapOvr>
+</p:sld>
+</file>
+
 <file path=ppt/theme/theme1.xml><?xml version="1.0" encoding="utf-8"?>
 <a:theme xmlns:a="http://schemas.openxmlformats.org/drawingml/2006/main" name="Office 테마">
   <a:themeElements>
